--- a/Hausautomationssysteme_überarbeitet.potx.pptx
+++ b/Hausautomationssysteme_überarbeitet.potx.pptx
@@ -269,7 +269,7 @@
           <a:p>
             <a:fld id="{276817F0-84FC-C145-AFC3-FA42D1D21F8E}" type="datetimeFigureOut">
               <a:rPr lang="de-DE" smtClean="0"/>
-              <a:t>07.06.2017</a:t>
+              <a:t>08.06.2017</a:t>
             </a:fld>
             <a:endParaRPr lang="de-DE"/>
           </a:p>
@@ -438,7 +438,7 @@
           <a:p>
             <a:fld id="{F80FA3C8-DE25-7348-A1F7-D749F91943C8}" type="datetimeFigureOut">
               <a:rPr lang="de-DE" smtClean="0"/>
-              <a:t>07.06.2017</a:t>
+              <a:t>08.06.2017</a:t>
             </a:fld>
             <a:endParaRPr lang="de-DE"/>
           </a:p>
@@ -1232,7 +1232,7 @@
           <a:p>
             <a:fld id="{C916D949-773C-3845-BFBA-C7D9987445EE}" type="datetime1">
               <a:rPr lang="de-DE" smtClean="0"/>
-              <a:t>07.06.2017</a:t>
+              <a:t>08.06.2017</a:t>
             </a:fld>
             <a:endParaRPr lang="de-DE" dirty="0"/>
           </a:p>
@@ -1333,7 +1333,7 @@
             <a:fld id="{A4ECBFB4-2031-A542-A2EF-20BD4D9E5256}" type="datetime1">
               <a:rPr lang="de-DE" smtClean="0"/>
               <a:pPr/>
-              <a:t>07.06.2017</a:t>
+              <a:t>08.06.2017</a:t>
             </a:fld>
             <a:r>
               <a:rPr lang="de-DE" dirty="0"/>
@@ -1618,7 +1618,7 @@
           <a:p>
             <a:fld id="{C916D949-773C-3845-BFBA-C7D9987445EE}" type="datetime1">
               <a:rPr lang="de-DE" smtClean="0"/>
-              <a:t>07.06.2017</a:t>
+              <a:t>08.06.2017</a:t>
             </a:fld>
             <a:endParaRPr lang="de-DE" dirty="0"/>
           </a:p>
@@ -2174,7 +2174,7 @@
             <a:fld id="{A4ECBFB4-2031-A542-A2EF-20BD4D9E5256}" type="datetime1">
               <a:rPr lang="de-DE" smtClean="0"/>
               <a:pPr/>
-              <a:t>07.06.2017</a:t>
+              <a:t>08.06.2017</a:t>
             </a:fld>
             <a:r>
               <a:rPr lang="de-DE"/>
@@ -2952,7 +2952,7 @@
             <a:fld id="{A4ECBFB4-2031-A542-A2EF-20BD4D9E5256}" type="datetime1">
               <a:rPr lang="de-DE" smtClean="0"/>
               <a:pPr/>
-              <a:t>07.06.2017</a:t>
+              <a:t>08.06.2017</a:t>
             </a:fld>
             <a:r>
               <a:rPr lang="de-DE"/>
@@ -3392,7 +3392,7 @@
             <a:fld id="{A4ECBFB4-2031-A542-A2EF-20BD4D9E5256}" type="datetime1">
               <a:rPr lang="de-DE" smtClean="0"/>
               <a:pPr/>
-              <a:t>07.06.2017</a:t>
+              <a:t>08.06.2017</a:t>
             </a:fld>
             <a:r>
               <a:rPr lang="de-DE"/>
@@ -3943,7 +3943,7 @@
             <a:fld id="{A4ECBFB4-2031-A542-A2EF-20BD4D9E5256}" type="datetime1">
               <a:rPr lang="de-DE" smtClean="0"/>
               <a:pPr/>
-              <a:t>07.06.2017</a:t>
+              <a:t>08.06.2017</a:t>
             </a:fld>
             <a:r>
               <a:rPr lang="de-DE"/>
@@ -4357,7 +4357,7 @@
             <a:fld id="{A4ECBFB4-2031-A542-A2EF-20BD4D9E5256}" type="datetime1">
               <a:rPr lang="de-DE" smtClean="0"/>
               <a:pPr/>
-              <a:t>07.06.2017</a:t>
+              <a:t>08.06.2017</a:t>
             </a:fld>
             <a:r>
               <a:rPr lang="de-DE"/>
@@ -4854,7 +4854,7 @@
             <a:fld id="{A4ECBFB4-2031-A542-A2EF-20BD4D9E5256}" type="datetime1">
               <a:rPr lang="de-DE" smtClean="0"/>
               <a:pPr/>
-              <a:t>07.06.2017</a:t>
+              <a:t>08.06.2017</a:t>
             </a:fld>
             <a:r>
               <a:rPr lang="de-DE"/>
@@ -5297,7 +5297,7 @@
             <a:fld id="{A4ECBFB4-2031-A542-A2EF-20BD4D9E5256}" type="datetime1">
               <a:rPr lang="de-DE" smtClean="0"/>
               <a:pPr/>
-              <a:t>07.06.2017</a:t>
+              <a:t>08.06.2017</a:t>
             </a:fld>
             <a:r>
               <a:rPr lang="de-DE"/>
@@ -5770,7 +5770,7 @@
             <a:fld id="{A4ECBFB4-2031-A542-A2EF-20BD4D9E5256}" type="datetime1">
               <a:rPr lang="de-DE" smtClean="0"/>
               <a:pPr/>
-              <a:t>07.06.2017</a:t>
+              <a:t>08.06.2017</a:t>
             </a:fld>
             <a:r>
               <a:rPr lang="de-DE"/>
@@ -5840,8 +5840,8 @@
         </p:nvSpPr>
         <p:spPr>
           <a:xfrm>
-            <a:off x="3469166" y="670298"/>
-            <a:ext cx="2205668" cy="553998"/>
+            <a:off x="2863487" y="3388533"/>
+            <a:ext cx="3417026" cy="830997"/>
           </a:xfrm>
           <a:prstGeom prst="rect">
             <a:avLst/>
@@ -5855,14 +5855,14 @@
           <a:lstStyle/>
           <a:p>
             <a:r>
-              <a:rPr lang="de-DE" sz="3000" b="1" dirty="0"/>
+              <a:rPr lang="de-DE" sz="4800" b="1" dirty="0"/>
               <a:t>Live - </a:t>
             </a:r>
             <a:r>
-              <a:rPr lang="de-DE" sz="3000" b="1" dirty="0" err="1"/>
+              <a:rPr lang="de-DE" sz="4800" b="1" dirty="0" err="1"/>
               <a:t>Coding</a:t>
             </a:r>
-            <a:endParaRPr lang="de-DE" sz="3000" b="1" dirty="0"/>
+            <a:endParaRPr lang="de-DE" sz="4800" b="1" dirty="0"/>
           </a:p>
         </p:txBody>
       </p:sp>
@@ -5914,7 +5914,7 @@
             <a:fld id="{A4ECBFB4-2031-A542-A2EF-20BD4D9E5256}" type="datetime1">
               <a:rPr lang="de-DE" smtClean="0"/>
               <a:pPr/>
-              <a:t>07.06.2017</a:t>
+              <a:t>08.06.2017</a:t>
             </a:fld>
             <a:r>
               <a:rPr lang="de-DE"/>
@@ -7100,7 +7100,7 @@
             <a:fld id="{A4ECBFB4-2031-A542-A2EF-20BD4D9E5256}" type="datetime1">
               <a:rPr lang="de-DE" smtClean="0"/>
               <a:pPr/>
-              <a:t>07.06.2017</a:t>
+              <a:t>08.06.2017</a:t>
             </a:fld>
             <a:r>
               <a:rPr lang="de-DE"/>
@@ -7727,7 +7727,7 @@
             <a:fld id="{A4ECBFB4-2031-A542-A2EF-20BD4D9E5256}" type="datetime1">
               <a:rPr lang="de-DE" smtClean="0"/>
               <a:pPr/>
-              <a:t>07.06.2017</a:t>
+              <a:t>08.06.2017</a:t>
             </a:fld>
             <a:r>
               <a:rPr lang="de-DE"/>
@@ -8574,7 +8574,7 @@
             <a:fld id="{A4ECBFB4-2031-A542-A2EF-20BD4D9E5256}" type="datetime1">
               <a:rPr lang="de-DE" smtClean="0"/>
               <a:pPr/>
-              <a:t>07.06.2017</a:t>
+              <a:t>08.06.2017</a:t>
             </a:fld>
             <a:r>
               <a:rPr lang="de-DE"/>
@@ -9505,7 +9505,7 @@
             <a:fld id="{A4ECBFB4-2031-A542-A2EF-20BD4D9E5256}" type="datetime1">
               <a:rPr lang="de-DE" smtClean="0"/>
               <a:pPr/>
-              <a:t>07.06.2017</a:t>
+              <a:t>08.06.2017</a:t>
             </a:fld>
             <a:r>
               <a:rPr lang="de-DE"/>
@@ -9621,7 +9621,7 @@
             <a:fld id="{A4ECBFB4-2031-A542-A2EF-20BD4D9E5256}" type="datetime1">
               <a:rPr lang="de-DE" smtClean="0"/>
               <a:pPr/>
-              <a:t>07.06.2017</a:t>
+              <a:t>08.06.2017</a:t>
             </a:fld>
             <a:r>
               <a:rPr lang="de-DE"/>
@@ -9984,7 +9984,7 @@
           <a:p>
             <a:fld id="{20484179-97E7-4643-B5B7-BA9089E040D3}" type="datetime1">
               <a:rPr lang="de-DE" smtClean="0"/>
-              <a:t>07.06.2017</a:t>
+              <a:t>08.06.2017</a:t>
             </a:fld>
             <a:r>
               <a:rPr lang="de-DE" dirty="0"/>
@@ -10784,7 +10784,7 @@
             <a:fld id="{A4ECBFB4-2031-A542-A2EF-20BD4D9E5256}" type="datetime1">
               <a:rPr lang="de-DE" smtClean="0"/>
               <a:pPr/>
-              <a:t>07.06.2017</a:t>
+              <a:t>08.06.2017</a:t>
             </a:fld>
             <a:r>
               <a:rPr lang="de-DE"/>
@@ -11473,7 +11473,7 @@
             <a:fld id="{A4ECBFB4-2031-A542-A2EF-20BD4D9E5256}" type="datetime1">
               <a:rPr lang="de-DE" smtClean="0"/>
               <a:pPr/>
-              <a:t>07.06.2017</a:t>
+              <a:t>08.06.2017</a:t>
             </a:fld>
             <a:r>
               <a:rPr lang="de-DE"/>
@@ -11877,7 +11877,7 @@
             <a:fld id="{A4ECBFB4-2031-A542-A2EF-20BD4D9E5256}" type="datetime1">
               <a:rPr lang="de-DE" smtClean="0"/>
               <a:pPr/>
-              <a:t>07.06.2017</a:t>
+              <a:t>08.06.2017</a:t>
             </a:fld>
             <a:r>
               <a:rPr lang="de-DE"/>
@@ -12469,7 +12469,7 @@
             <a:fld id="{A4ECBFB4-2031-A542-A2EF-20BD4D9E5256}" type="datetime1">
               <a:rPr lang="de-DE" smtClean="0"/>
               <a:pPr/>
-              <a:t>07.06.2017</a:t>
+              <a:t>08.06.2017</a:t>
             </a:fld>
             <a:r>
               <a:rPr lang="de-DE"/>
@@ -13139,7 +13139,7 @@
             <a:fld id="{A4ECBFB4-2031-A542-A2EF-20BD4D9E5256}" type="datetime1">
               <a:rPr lang="de-DE" smtClean="0"/>
               <a:pPr/>
-              <a:t>07.06.2017</a:t>
+              <a:t>08.06.2017</a:t>
             </a:fld>
             <a:r>
               <a:rPr lang="de-DE"/>
@@ -13854,7 +13854,7 @@
             <a:fld id="{A4ECBFB4-2031-A542-A2EF-20BD4D9E5256}" type="datetime1">
               <a:rPr lang="de-DE" smtClean="0"/>
               <a:pPr/>
-              <a:t>07.06.2017</a:t>
+              <a:t>08.06.2017</a:t>
             </a:fld>
             <a:r>
               <a:rPr lang="de-DE"/>

--- a/Hausautomationssysteme_überarbeitet.potx.pptx
+++ b/Hausautomationssysteme_überarbeitet.potx.pptx
@@ -5429,8 +5429,8 @@
         </p:blipFill>
         <p:spPr>
           <a:xfrm>
-            <a:off x="5776257" y="658351"/>
-            <a:ext cx="2624596" cy="2611473"/>
+            <a:off x="6245158" y="689125"/>
+            <a:ext cx="2485404" cy="2472977"/>
           </a:xfrm>
           <a:prstGeom prst="rect">
             <a:avLst/>
@@ -5451,7 +5451,7 @@
         </p:nvSpPr>
         <p:spPr>
           <a:xfrm>
-            <a:off x="4830508" y="3053785"/>
+            <a:off x="4830508" y="2990934"/>
             <a:ext cx="4155625" cy="461665"/>
           </a:xfrm>
           <a:prstGeom prst="rect">
@@ -5546,7 +5546,7 @@
         </p:blipFill>
         <p:spPr>
           <a:xfrm>
-            <a:off x="966264" y="3883599"/>
+            <a:off x="647998" y="4046085"/>
             <a:ext cx="1499890" cy="2339009"/>
           </a:xfrm>
           <a:prstGeom prst="rect">
@@ -5568,7 +5568,7 @@
         </p:nvSpPr>
         <p:spPr>
           <a:xfrm>
-            <a:off x="2466154" y="3686543"/>
+            <a:off x="2147888" y="3686543"/>
             <a:ext cx="3204723" cy="461665"/>
           </a:xfrm>
           <a:prstGeom prst="rect">
@@ -5602,7 +5602,7 @@
         </p:nvSpPr>
         <p:spPr>
           <a:xfrm>
-            <a:off x="2667182" y="4148208"/>
+            <a:off x="2339487" y="4260541"/>
             <a:ext cx="6007390" cy="1646605"/>
           </a:xfrm>
           <a:prstGeom prst="rect">
